--- a/Slides/song_recommender_slides (1).pptx
+++ b/Slides/song_recommender_slides (1).pptx
@@ -203,7 +203,7 @@
           <a:p>
             <a:fld id="{A1BF05FE-2449-AD40-AAD7-BD0C58E68E1E}" type="datetimeFigureOut">
               <a:rPr lang="es-ES" smtClean="0"/>
-              <a:t>13/10/2023</a:t>
+              <a:t>13/10/23</a:t>
             </a:fld>
             <a:endParaRPr lang="es-ES"/>
           </a:p>
@@ -361,7 +361,7 @@
           <a:p>
             <a:fld id="{5ACB99D7-71F0-884D-B598-1B510C33D383}" type="slidenum">
               <a:rPr lang="es-ES" smtClean="0"/>
-              <a:t>‹#›</a:t>
+              <a:t>‹Nº›</a:t>
             </a:fld>
             <a:endParaRPr lang="es-ES"/>
           </a:p>
@@ -785,7 +785,7 @@
           <a:p>
             <a:fld id="{8E3B1933-73AA-0045-AAD6-4B8D666554AF}" type="datetimeFigureOut">
               <a:rPr lang="es-ES" smtClean="0"/>
-              <a:t>13/10/2023</a:t>
+              <a:t>13/10/23</a:t>
             </a:fld>
             <a:endParaRPr lang="es-ES"/>
           </a:p>
@@ -839,7 +839,7 @@
           <a:p>
             <a:fld id="{92A1F232-8BEF-2447-9027-797016B843A3}" type="slidenum">
               <a:rPr lang="es-ES" smtClean="0"/>
-              <a:t>‹#›</a:t>
+              <a:t>‹Nº›</a:t>
             </a:fld>
             <a:endParaRPr lang="es-ES"/>
           </a:p>
@@ -983,7 +983,7 @@
           <a:p>
             <a:fld id="{8E3B1933-73AA-0045-AAD6-4B8D666554AF}" type="datetimeFigureOut">
               <a:rPr lang="es-ES" smtClean="0"/>
-              <a:t>13/10/2023</a:t>
+              <a:t>13/10/23</a:t>
             </a:fld>
             <a:endParaRPr lang="es-ES"/>
           </a:p>
@@ -1037,7 +1037,7 @@
           <a:p>
             <a:fld id="{92A1F232-8BEF-2447-9027-797016B843A3}" type="slidenum">
               <a:rPr lang="es-ES" smtClean="0"/>
-              <a:t>‹#›</a:t>
+              <a:t>‹Nº›</a:t>
             </a:fld>
             <a:endParaRPr lang="es-ES"/>
           </a:p>
@@ -1191,7 +1191,7 @@
           <a:p>
             <a:fld id="{8E3B1933-73AA-0045-AAD6-4B8D666554AF}" type="datetimeFigureOut">
               <a:rPr lang="es-ES" smtClean="0"/>
-              <a:t>13/10/2023</a:t>
+              <a:t>13/10/23</a:t>
             </a:fld>
             <a:endParaRPr lang="es-ES"/>
           </a:p>
@@ -1245,7 +1245,7 @@
           <a:p>
             <a:fld id="{92A1F232-8BEF-2447-9027-797016B843A3}" type="slidenum">
               <a:rPr lang="es-ES" smtClean="0"/>
-              <a:t>‹#›</a:t>
+              <a:t>‹Nº›</a:t>
             </a:fld>
             <a:endParaRPr lang="es-ES"/>
           </a:p>
@@ -1389,7 +1389,7 @@
           <a:p>
             <a:fld id="{8E3B1933-73AA-0045-AAD6-4B8D666554AF}" type="datetimeFigureOut">
               <a:rPr lang="es-ES" smtClean="0"/>
-              <a:t>13/10/2023</a:t>
+              <a:t>13/10/23</a:t>
             </a:fld>
             <a:endParaRPr lang="es-ES"/>
           </a:p>
@@ -1443,7 +1443,7 @@
           <a:p>
             <a:fld id="{92A1F232-8BEF-2447-9027-797016B843A3}" type="slidenum">
               <a:rPr lang="es-ES" smtClean="0"/>
-              <a:t>‹#›</a:t>
+              <a:t>‹Nº›</a:t>
             </a:fld>
             <a:endParaRPr lang="es-ES"/>
           </a:p>
@@ -1664,7 +1664,7 @@
           <a:p>
             <a:fld id="{8E3B1933-73AA-0045-AAD6-4B8D666554AF}" type="datetimeFigureOut">
               <a:rPr lang="es-ES" smtClean="0"/>
-              <a:t>13/10/2023</a:t>
+              <a:t>13/10/23</a:t>
             </a:fld>
             <a:endParaRPr lang="es-ES"/>
           </a:p>
@@ -1718,7 +1718,7 @@
           <a:p>
             <a:fld id="{92A1F232-8BEF-2447-9027-797016B843A3}" type="slidenum">
               <a:rPr lang="es-ES" smtClean="0"/>
-              <a:t>‹#›</a:t>
+              <a:t>‹Nº›</a:t>
             </a:fld>
             <a:endParaRPr lang="es-ES"/>
           </a:p>
@@ -1929,7 +1929,7 @@
           <a:p>
             <a:fld id="{8E3B1933-73AA-0045-AAD6-4B8D666554AF}" type="datetimeFigureOut">
               <a:rPr lang="es-ES" smtClean="0"/>
-              <a:t>13/10/2023</a:t>
+              <a:t>13/10/23</a:t>
             </a:fld>
             <a:endParaRPr lang="es-ES"/>
           </a:p>
@@ -1983,7 +1983,7 @@
           <a:p>
             <a:fld id="{92A1F232-8BEF-2447-9027-797016B843A3}" type="slidenum">
               <a:rPr lang="es-ES" smtClean="0"/>
-              <a:t>‹#›</a:t>
+              <a:t>‹Nº›</a:t>
             </a:fld>
             <a:endParaRPr lang="es-ES"/>
           </a:p>
@@ -2341,7 +2341,7 @@
           <a:p>
             <a:fld id="{8E3B1933-73AA-0045-AAD6-4B8D666554AF}" type="datetimeFigureOut">
               <a:rPr lang="es-ES" smtClean="0"/>
-              <a:t>13/10/2023</a:t>
+              <a:t>13/10/23</a:t>
             </a:fld>
             <a:endParaRPr lang="es-ES"/>
           </a:p>
@@ -2395,7 +2395,7 @@
           <a:p>
             <a:fld id="{92A1F232-8BEF-2447-9027-797016B843A3}" type="slidenum">
               <a:rPr lang="es-ES" smtClean="0"/>
-              <a:t>‹#›</a:t>
+              <a:t>‹Nº›</a:t>
             </a:fld>
             <a:endParaRPr lang="es-ES"/>
           </a:p>
@@ -2482,7 +2482,7 @@
           <a:p>
             <a:fld id="{8E3B1933-73AA-0045-AAD6-4B8D666554AF}" type="datetimeFigureOut">
               <a:rPr lang="es-ES" smtClean="0"/>
-              <a:t>13/10/2023</a:t>
+              <a:t>13/10/23</a:t>
             </a:fld>
             <a:endParaRPr lang="es-ES"/>
           </a:p>
@@ -2536,7 +2536,7 @@
           <a:p>
             <a:fld id="{92A1F232-8BEF-2447-9027-797016B843A3}" type="slidenum">
               <a:rPr lang="es-ES" smtClean="0"/>
-              <a:t>‹#›</a:t>
+              <a:t>‹Nº›</a:t>
             </a:fld>
             <a:endParaRPr lang="es-ES"/>
           </a:p>
@@ -2595,7 +2595,7 @@
           <a:p>
             <a:fld id="{8E3B1933-73AA-0045-AAD6-4B8D666554AF}" type="datetimeFigureOut">
               <a:rPr lang="es-ES" smtClean="0"/>
-              <a:t>13/10/2023</a:t>
+              <a:t>13/10/23</a:t>
             </a:fld>
             <a:endParaRPr lang="es-ES"/>
           </a:p>
@@ -2649,7 +2649,7 @@
           <a:p>
             <a:fld id="{92A1F232-8BEF-2447-9027-797016B843A3}" type="slidenum">
               <a:rPr lang="es-ES" smtClean="0"/>
-              <a:t>‹#›</a:t>
+              <a:t>‹Nº›</a:t>
             </a:fld>
             <a:endParaRPr lang="es-ES"/>
           </a:p>
@@ -2906,7 +2906,7 @@
           <a:p>
             <a:fld id="{8E3B1933-73AA-0045-AAD6-4B8D666554AF}" type="datetimeFigureOut">
               <a:rPr lang="es-ES" smtClean="0"/>
-              <a:t>13/10/2023</a:t>
+              <a:t>13/10/23</a:t>
             </a:fld>
             <a:endParaRPr lang="es-ES"/>
           </a:p>
@@ -2960,7 +2960,7 @@
           <a:p>
             <a:fld id="{92A1F232-8BEF-2447-9027-797016B843A3}" type="slidenum">
               <a:rPr lang="es-ES" smtClean="0"/>
-              <a:t>‹#›</a:t>
+              <a:t>‹Nº›</a:t>
             </a:fld>
             <a:endParaRPr lang="es-ES"/>
           </a:p>
@@ -3194,7 +3194,7 @@
           <a:p>
             <a:fld id="{8E3B1933-73AA-0045-AAD6-4B8D666554AF}" type="datetimeFigureOut">
               <a:rPr lang="es-ES" smtClean="0"/>
-              <a:t>13/10/2023</a:t>
+              <a:t>13/10/23</a:t>
             </a:fld>
             <a:endParaRPr lang="es-ES"/>
           </a:p>
@@ -3248,7 +3248,7 @@
           <a:p>
             <a:fld id="{92A1F232-8BEF-2447-9027-797016B843A3}" type="slidenum">
               <a:rPr lang="es-ES" smtClean="0"/>
-              <a:t>‹#›</a:t>
+              <a:t>‹Nº›</a:t>
             </a:fld>
             <a:endParaRPr lang="es-ES"/>
           </a:p>
@@ -3435,7 +3435,7 @@
           <a:p>
             <a:fld id="{8E3B1933-73AA-0045-AAD6-4B8D666554AF}" type="datetimeFigureOut">
               <a:rPr lang="es-ES" smtClean="0"/>
-              <a:t>13/10/2023</a:t>
+              <a:t>13/10/23</a:t>
             </a:fld>
             <a:endParaRPr lang="es-ES"/>
           </a:p>
@@ -3525,7 +3525,7 @@
           <a:p>
             <a:fld id="{92A1F232-8BEF-2447-9027-797016B843A3}" type="slidenum">
               <a:rPr lang="es-ES" smtClean="0"/>
-              <a:t>‹#›</a:t>
+              <a:t>‹Nº›</a:t>
             </a:fld>
             <a:endParaRPr lang="es-ES"/>
           </a:p>
@@ -4248,6 +4248,281 @@
           </a:p>
         </p:txBody>
       </p:sp>
+      <p:sp>
+        <p:nvSpPr>
+          <p:cNvPr id="3" name="Marcador de contenido 2">
+            <a:extLst>
+              <a:ext uri="{FF2B5EF4-FFF2-40B4-BE49-F238E27FC236}">
+                <a16:creationId xmlns:a16="http://schemas.microsoft.com/office/drawing/2014/main" id="{925594C7-E593-C977-4A50-5FEC7A8ABB85}"/>
+              </a:ext>
+            </a:extLst>
+          </p:cNvPr>
+          <p:cNvSpPr txBox="1">
+            <a:spLocks/>
+          </p:cNvSpPr>
+          <p:nvPr/>
+        </p:nvSpPr>
+        <p:spPr>
+          <a:xfrm>
+            <a:off x="5872249" y="4508974"/>
+            <a:ext cx="5926051" cy="2141858"/>
+          </a:xfrm>
+          <a:prstGeom prst="rect">
+            <a:avLst/>
+          </a:prstGeom>
+        </p:spPr>
+        <p:txBody>
+          <a:bodyPr vert="horz" lIns="91440" tIns="45720" rIns="91440" bIns="45720" rtlCol="0">
+            <a:normAutofit/>
+          </a:bodyPr>
+          <a:lstStyle>
+            <a:lvl1pPr marL="228600" indent="-228600" algn="l" defTabSz="914400" rtl="0" eaLnBrk="1" latinLnBrk="0" hangingPunct="1">
+              <a:lnSpc>
+                <a:spcPct val="90000"/>
+              </a:lnSpc>
+              <a:spcBef>
+                <a:spcPts val="1000"/>
+              </a:spcBef>
+              <a:buFont typeface="Arial" panose="020B0604020202020204" pitchFamily="34" charset="0"/>
+              <a:buChar char="•"/>
+              <a:defRPr sz="2800" kern="1200">
+                <a:solidFill>
+                  <a:schemeClr val="tx1"/>
+                </a:solidFill>
+                <a:latin typeface="+mn-lt"/>
+                <a:ea typeface="+mn-ea"/>
+                <a:cs typeface="+mn-cs"/>
+              </a:defRPr>
+            </a:lvl1pPr>
+            <a:lvl2pPr marL="685800" indent="-228600" algn="l" defTabSz="914400" rtl="0" eaLnBrk="1" latinLnBrk="0" hangingPunct="1">
+              <a:lnSpc>
+                <a:spcPct val="90000"/>
+              </a:lnSpc>
+              <a:spcBef>
+                <a:spcPts val="500"/>
+              </a:spcBef>
+              <a:buFont typeface="Arial" panose="020B0604020202020204" pitchFamily="34" charset="0"/>
+              <a:buChar char="•"/>
+              <a:defRPr sz="2400" kern="1200">
+                <a:solidFill>
+                  <a:schemeClr val="tx1"/>
+                </a:solidFill>
+                <a:latin typeface="+mn-lt"/>
+                <a:ea typeface="+mn-ea"/>
+                <a:cs typeface="+mn-cs"/>
+              </a:defRPr>
+            </a:lvl2pPr>
+            <a:lvl3pPr marL="1143000" indent="-228600" algn="l" defTabSz="914400" rtl="0" eaLnBrk="1" latinLnBrk="0" hangingPunct="1">
+              <a:lnSpc>
+                <a:spcPct val="90000"/>
+              </a:lnSpc>
+              <a:spcBef>
+                <a:spcPts val="500"/>
+              </a:spcBef>
+              <a:buFont typeface="Arial" panose="020B0604020202020204" pitchFamily="34" charset="0"/>
+              <a:buChar char="•"/>
+              <a:defRPr sz="2000" kern="1200">
+                <a:solidFill>
+                  <a:schemeClr val="tx1"/>
+                </a:solidFill>
+                <a:latin typeface="+mn-lt"/>
+                <a:ea typeface="+mn-ea"/>
+                <a:cs typeface="+mn-cs"/>
+              </a:defRPr>
+            </a:lvl3pPr>
+            <a:lvl4pPr marL="1600200" indent="-228600" algn="l" defTabSz="914400" rtl="0" eaLnBrk="1" latinLnBrk="0" hangingPunct="1">
+              <a:lnSpc>
+                <a:spcPct val="90000"/>
+              </a:lnSpc>
+              <a:spcBef>
+                <a:spcPts val="500"/>
+              </a:spcBef>
+              <a:buFont typeface="Arial" panose="020B0604020202020204" pitchFamily="34" charset="0"/>
+              <a:buChar char="•"/>
+              <a:defRPr sz="1800" kern="1200">
+                <a:solidFill>
+                  <a:schemeClr val="tx1"/>
+                </a:solidFill>
+                <a:latin typeface="+mn-lt"/>
+                <a:ea typeface="+mn-ea"/>
+                <a:cs typeface="+mn-cs"/>
+              </a:defRPr>
+            </a:lvl4pPr>
+            <a:lvl5pPr marL="2057400" indent="-228600" algn="l" defTabSz="914400" rtl="0" eaLnBrk="1" latinLnBrk="0" hangingPunct="1">
+              <a:lnSpc>
+                <a:spcPct val="90000"/>
+              </a:lnSpc>
+              <a:spcBef>
+                <a:spcPts val="500"/>
+              </a:spcBef>
+              <a:buFont typeface="Arial" panose="020B0604020202020204" pitchFamily="34" charset="0"/>
+              <a:buChar char="•"/>
+              <a:defRPr sz="1800" kern="1200">
+                <a:solidFill>
+                  <a:schemeClr val="tx1"/>
+                </a:solidFill>
+                <a:latin typeface="+mn-lt"/>
+                <a:ea typeface="+mn-ea"/>
+                <a:cs typeface="+mn-cs"/>
+              </a:defRPr>
+            </a:lvl5pPr>
+            <a:lvl6pPr marL="2514600" indent="-228600" algn="l" defTabSz="914400" rtl="0" eaLnBrk="1" latinLnBrk="0" hangingPunct="1">
+              <a:lnSpc>
+                <a:spcPct val="90000"/>
+              </a:lnSpc>
+              <a:spcBef>
+                <a:spcPts val="500"/>
+              </a:spcBef>
+              <a:buFont typeface="Arial" panose="020B0604020202020204" pitchFamily="34" charset="0"/>
+              <a:buChar char="•"/>
+              <a:defRPr sz="1800" kern="1200">
+                <a:solidFill>
+                  <a:schemeClr val="tx1"/>
+                </a:solidFill>
+                <a:latin typeface="+mn-lt"/>
+                <a:ea typeface="+mn-ea"/>
+                <a:cs typeface="+mn-cs"/>
+              </a:defRPr>
+            </a:lvl6pPr>
+            <a:lvl7pPr marL="2971800" indent="-228600" algn="l" defTabSz="914400" rtl="0" eaLnBrk="1" latinLnBrk="0" hangingPunct="1">
+              <a:lnSpc>
+                <a:spcPct val="90000"/>
+              </a:lnSpc>
+              <a:spcBef>
+                <a:spcPts val="500"/>
+              </a:spcBef>
+              <a:buFont typeface="Arial" panose="020B0604020202020204" pitchFamily="34" charset="0"/>
+              <a:buChar char="•"/>
+              <a:defRPr sz="1800" kern="1200">
+                <a:solidFill>
+                  <a:schemeClr val="tx1"/>
+                </a:solidFill>
+                <a:latin typeface="+mn-lt"/>
+                <a:ea typeface="+mn-ea"/>
+                <a:cs typeface="+mn-cs"/>
+              </a:defRPr>
+            </a:lvl7pPr>
+            <a:lvl8pPr marL="3429000" indent="-228600" algn="l" defTabSz="914400" rtl="0" eaLnBrk="1" latinLnBrk="0" hangingPunct="1">
+              <a:lnSpc>
+                <a:spcPct val="90000"/>
+              </a:lnSpc>
+              <a:spcBef>
+                <a:spcPts val="500"/>
+              </a:spcBef>
+              <a:buFont typeface="Arial" panose="020B0604020202020204" pitchFamily="34" charset="0"/>
+              <a:buChar char="•"/>
+              <a:defRPr sz="1800" kern="1200">
+                <a:solidFill>
+                  <a:schemeClr val="tx1"/>
+                </a:solidFill>
+                <a:latin typeface="+mn-lt"/>
+                <a:ea typeface="+mn-ea"/>
+                <a:cs typeface="+mn-cs"/>
+              </a:defRPr>
+            </a:lvl8pPr>
+            <a:lvl9pPr marL="3886200" indent="-228600" algn="l" defTabSz="914400" rtl="0" eaLnBrk="1" latinLnBrk="0" hangingPunct="1">
+              <a:lnSpc>
+                <a:spcPct val="90000"/>
+              </a:lnSpc>
+              <a:spcBef>
+                <a:spcPts val="500"/>
+              </a:spcBef>
+              <a:buFont typeface="Arial" panose="020B0604020202020204" pitchFamily="34" charset="0"/>
+              <a:buChar char="•"/>
+              <a:defRPr sz="1800" kern="1200">
+                <a:solidFill>
+                  <a:schemeClr val="tx1"/>
+                </a:solidFill>
+                <a:latin typeface="+mn-lt"/>
+                <a:ea typeface="+mn-ea"/>
+                <a:cs typeface="+mn-cs"/>
+              </a:defRPr>
+            </a:lvl9pPr>
+          </a:lstStyle>
+          <a:p>
+            <a:pPr marL="0" indent="0" algn="r">
+              <a:buFont typeface="Arial" panose="020B0604020202020204" pitchFamily="34" charset="0"/>
+              <a:buNone/>
+            </a:pPr>
+            <a:endParaRPr lang="es-ES" sz="2400" b="1" dirty="0">
+              <a:latin typeface="+mj-lt"/>
+              <a:ea typeface="+mj-ea"/>
+              <a:cs typeface="+mj-cs"/>
+            </a:endParaRPr>
+          </a:p>
+          <a:p>
+            <a:pPr marL="0" indent="0" algn="r">
+              <a:buFont typeface="Arial" panose="020B0604020202020204" pitchFamily="34" charset="0"/>
+              <a:buNone/>
+            </a:pPr>
+            <a:r>
+              <a:rPr lang="es-ES" sz="2400" b="1" dirty="0">
+                <a:latin typeface="+mj-lt"/>
+                <a:ea typeface="+mj-ea"/>
+                <a:cs typeface="+mj-cs"/>
+              </a:rPr>
+              <a:t>Sergio Andrés Burgos Zuleta,</a:t>
+            </a:r>
+          </a:p>
+          <a:p>
+            <a:pPr marL="0" indent="0" algn="r">
+              <a:buFont typeface="Arial" panose="020B0604020202020204" pitchFamily="34" charset="0"/>
+              <a:buNone/>
+            </a:pPr>
+            <a:r>
+              <a:rPr lang="es-ES" sz="2400" b="1" dirty="0" err="1">
+                <a:latin typeface="+mj-lt"/>
+                <a:ea typeface="+mj-ea"/>
+                <a:cs typeface="+mj-cs"/>
+              </a:rPr>
+              <a:t>Amra</a:t>
+            </a:r>
+            <a:r>
+              <a:rPr lang="es-ES" sz="2400" b="1" dirty="0">
+                <a:latin typeface="+mj-lt"/>
+                <a:ea typeface="+mj-ea"/>
+                <a:cs typeface="+mj-cs"/>
+              </a:rPr>
+              <a:t> </a:t>
+            </a:r>
+            <a:r>
+              <a:rPr lang="es-ES" sz="2400" b="1" dirty="0" err="1">
+                <a:latin typeface="+mj-lt"/>
+                <a:ea typeface="+mj-ea"/>
+                <a:cs typeface="+mj-cs"/>
+              </a:rPr>
+              <a:t>Fetic</a:t>
+            </a:r>
+            <a:r>
+              <a:rPr lang="es-ES" sz="2400" b="1" dirty="0">
+                <a:latin typeface="+mj-lt"/>
+                <a:ea typeface="+mj-ea"/>
+                <a:cs typeface="+mj-cs"/>
+              </a:rPr>
+              <a:t>,</a:t>
+            </a:r>
+          </a:p>
+          <a:p>
+            <a:pPr marL="0" indent="0" algn="r">
+              <a:buFont typeface="Arial" panose="020B0604020202020204" pitchFamily="34" charset="0"/>
+              <a:buNone/>
+            </a:pPr>
+            <a:r>
+              <a:rPr lang="es-ES" sz="2400" b="1" dirty="0">
+                <a:latin typeface="+mj-lt"/>
+                <a:ea typeface="+mj-ea"/>
+                <a:cs typeface="+mj-cs"/>
+              </a:rPr>
+              <a:t>Marina Llompart</a:t>
+            </a:r>
+            <a:endParaRPr lang="es-ES" sz="4800" b="1" dirty="0">
+              <a:latin typeface="+mj-lt"/>
+              <a:ea typeface="+mj-ea"/>
+              <a:cs typeface="+mj-cs"/>
+            </a:endParaRPr>
+          </a:p>
+        </p:txBody>
+      </p:sp>
     </p:spTree>
     <p:extLst>
       <p:ext uri="{BB962C8B-B14F-4D97-AF65-F5344CB8AC3E}">
@@ -4591,9 +4866,10 @@
           <a:p>
             <a:pPr algn="l"/>
             <a:r>
-              <a:rPr lang="en-GB" sz="4800" b="1" dirty="0"/>
+              <a:rPr lang="en-GB" sz="4800" b="1"/>
               <a:t>How did it all start?</a:t>
             </a:r>
+            <a:endParaRPr lang="en-GB" sz="4800" b="1" dirty="0"/>
           </a:p>
         </p:txBody>
       </p:sp>
@@ -5325,7 +5601,7 @@
             </a:br>
             <a:r>
               <a:rPr lang="en-GB" sz="1600" dirty="0"/>
-              <a:t>It all started one afternoon when we were sitting in our favourite coffee shop, sipping a cup of coffee and engrossed in our laptops, coding and working on several labs, when we noticed the music surrounding u.</a:t>
+              <a:t>It all started one afternoon when we were sitting in our favourite coffee shop, sipping a cup of coffee and engrossed in our laptops, coding and working on several labs, when we noticed the music surrounding us.</a:t>
             </a:r>
             <a:br>
               <a:rPr lang="en-GB" sz="1600" dirty="0"/>
@@ -8192,8 +8468,8 @@
         </p:blipFill>
         <p:spPr>
           <a:xfrm>
-            <a:off x="3523488" y="10"/>
-            <a:ext cx="8668512" cy="6857990"/>
+            <a:off x="3523488" y="18288"/>
+            <a:ext cx="8668512" cy="6839712"/>
           </a:xfrm>
           <a:prstGeom prst="rect">
             <a:avLst/>
@@ -8500,6 +8776,70 @@
               <a:ea typeface="+mn-ea"/>
               <a:cs typeface="+mn-cs"/>
             </a:endParaRPr>
+          </a:p>
+        </p:txBody>
+      </p:sp>
+      <p:sp>
+        <p:nvSpPr>
+          <p:cNvPr id="3" name="CuadroTexto 2">
+            <a:extLst>
+              <a:ext uri="{FF2B5EF4-FFF2-40B4-BE49-F238E27FC236}">
+                <a16:creationId xmlns:a16="http://schemas.microsoft.com/office/drawing/2014/main" id="{593EF8D4-1354-A389-5671-2654A25916AE}"/>
+              </a:ext>
+            </a:extLst>
+          </p:cNvPr>
+          <p:cNvSpPr txBox="1"/>
+          <p:nvPr/>
+        </p:nvSpPr>
+        <p:spPr>
+          <a:xfrm>
+            <a:off x="4878300" y="771988"/>
+            <a:ext cx="6361471" cy="2893100"/>
+          </a:xfrm>
+          <a:prstGeom prst="rect">
+            <a:avLst/>
+          </a:prstGeom>
+          <a:noFill/>
+        </p:spPr>
+        <p:txBody>
+          <a:bodyPr wrap="square" rtlCol="0">
+            <a:spAutoFit/>
+          </a:bodyPr>
+          <a:lstStyle/>
+          <a:p>
+            <a:pPr algn="ctr"/>
+            <a:r>
+              <a:rPr lang="es-ES" sz="5400" b="1" i="0" dirty="0" err="1">
+                <a:solidFill>
+                  <a:srgbClr val="7030A0"/>
+                </a:solidFill>
+                <a:effectLst/>
+                <a:latin typeface="Braggadocio" pitchFamily="82" charset="77"/>
+              </a:rPr>
+              <a:t>Muffeee</a:t>
+            </a:r>
+            <a:endParaRPr lang="es-ES" sz="3200" b="1" i="0" dirty="0">
+              <a:solidFill>
+                <a:srgbClr val="7030A0"/>
+              </a:solidFill>
+              <a:effectLst/>
+              <a:latin typeface="Braggadocio" pitchFamily="82" charset="77"/>
+            </a:endParaRPr>
+          </a:p>
+          <a:p>
+            <a:endParaRPr lang="es-ES" sz="3200" b="1" dirty="0">
+              <a:solidFill>
+                <a:srgbClr val="7030A0"/>
+              </a:solidFill>
+              <a:latin typeface="Braggadocio" pitchFamily="82" charset="77"/>
+            </a:endParaRPr>
+          </a:p>
+          <a:p>
+            <a:pPr algn="ctr"/>
+            <a:r>
+              <a:rPr lang="en-GB" sz="3200" dirty="0"/>
+              <a:t>Have a coffee and listen to that music that resonates with people on a deeply emotional level</a:t>
+            </a:r>
           </a:p>
         </p:txBody>
       </p:sp>
@@ -9150,281 +9490,6 @@
               <a:buFont typeface="Arial" panose="020B0604020202020204" pitchFamily="34" charset="0"/>
               <a:buNone/>
             </a:pPr>
-            <a:endParaRPr lang="es-ES" sz="4800" b="1" dirty="0">
-              <a:latin typeface="+mj-lt"/>
-              <a:ea typeface="+mj-ea"/>
-              <a:cs typeface="+mj-cs"/>
-            </a:endParaRPr>
-          </a:p>
-        </p:txBody>
-      </p:sp>
-      <p:sp>
-        <p:nvSpPr>
-          <p:cNvPr id="3" name="Marcador de contenido 2">
-            <a:extLst>
-              <a:ext uri="{FF2B5EF4-FFF2-40B4-BE49-F238E27FC236}">
-                <a16:creationId xmlns:a16="http://schemas.microsoft.com/office/drawing/2014/main" id="{3C653822-AB85-5320-0284-D41AE06A09BB}"/>
-              </a:ext>
-            </a:extLst>
-          </p:cNvPr>
-          <p:cNvSpPr txBox="1">
-            <a:spLocks/>
-          </p:cNvSpPr>
-          <p:nvPr/>
-        </p:nvSpPr>
-        <p:spPr>
-          <a:xfrm>
-            <a:off x="5872249" y="4508974"/>
-            <a:ext cx="5926051" cy="2141858"/>
-          </a:xfrm>
-          <a:prstGeom prst="rect">
-            <a:avLst/>
-          </a:prstGeom>
-        </p:spPr>
-        <p:txBody>
-          <a:bodyPr vert="horz" lIns="91440" tIns="45720" rIns="91440" bIns="45720" rtlCol="0">
-            <a:normAutofit/>
-          </a:bodyPr>
-          <a:lstStyle>
-            <a:lvl1pPr marL="228600" indent="-228600" algn="l" defTabSz="914400" rtl="0" eaLnBrk="1" latinLnBrk="0" hangingPunct="1">
-              <a:lnSpc>
-                <a:spcPct val="90000"/>
-              </a:lnSpc>
-              <a:spcBef>
-                <a:spcPts val="1000"/>
-              </a:spcBef>
-              <a:buFont typeface="Arial" panose="020B0604020202020204" pitchFamily="34" charset="0"/>
-              <a:buChar char="•"/>
-              <a:defRPr sz="2800" kern="1200">
-                <a:solidFill>
-                  <a:schemeClr val="tx1"/>
-                </a:solidFill>
-                <a:latin typeface="+mn-lt"/>
-                <a:ea typeface="+mn-ea"/>
-                <a:cs typeface="+mn-cs"/>
-              </a:defRPr>
-            </a:lvl1pPr>
-            <a:lvl2pPr marL="685800" indent="-228600" algn="l" defTabSz="914400" rtl="0" eaLnBrk="1" latinLnBrk="0" hangingPunct="1">
-              <a:lnSpc>
-                <a:spcPct val="90000"/>
-              </a:lnSpc>
-              <a:spcBef>
-                <a:spcPts val="500"/>
-              </a:spcBef>
-              <a:buFont typeface="Arial" panose="020B0604020202020204" pitchFamily="34" charset="0"/>
-              <a:buChar char="•"/>
-              <a:defRPr sz="2400" kern="1200">
-                <a:solidFill>
-                  <a:schemeClr val="tx1"/>
-                </a:solidFill>
-                <a:latin typeface="+mn-lt"/>
-                <a:ea typeface="+mn-ea"/>
-                <a:cs typeface="+mn-cs"/>
-              </a:defRPr>
-            </a:lvl2pPr>
-            <a:lvl3pPr marL="1143000" indent="-228600" algn="l" defTabSz="914400" rtl="0" eaLnBrk="1" latinLnBrk="0" hangingPunct="1">
-              <a:lnSpc>
-                <a:spcPct val="90000"/>
-              </a:lnSpc>
-              <a:spcBef>
-                <a:spcPts val="500"/>
-              </a:spcBef>
-              <a:buFont typeface="Arial" panose="020B0604020202020204" pitchFamily="34" charset="0"/>
-              <a:buChar char="•"/>
-              <a:defRPr sz="2000" kern="1200">
-                <a:solidFill>
-                  <a:schemeClr val="tx1"/>
-                </a:solidFill>
-                <a:latin typeface="+mn-lt"/>
-                <a:ea typeface="+mn-ea"/>
-                <a:cs typeface="+mn-cs"/>
-              </a:defRPr>
-            </a:lvl3pPr>
-            <a:lvl4pPr marL="1600200" indent="-228600" algn="l" defTabSz="914400" rtl="0" eaLnBrk="1" latinLnBrk="0" hangingPunct="1">
-              <a:lnSpc>
-                <a:spcPct val="90000"/>
-              </a:lnSpc>
-              <a:spcBef>
-                <a:spcPts val="500"/>
-              </a:spcBef>
-              <a:buFont typeface="Arial" panose="020B0604020202020204" pitchFamily="34" charset="0"/>
-              <a:buChar char="•"/>
-              <a:defRPr sz="1800" kern="1200">
-                <a:solidFill>
-                  <a:schemeClr val="tx1"/>
-                </a:solidFill>
-                <a:latin typeface="+mn-lt"/>
-                <a:ea typeface="+mn-ea"/>
-                <a:cs typeface="+mn-cs"/>
-              </a:defRPr>
-            </a:lvl4pPr>
-            <a:lvl5pPr marL="2057400" indent="-228600" algn="l" defTabSz="914400" rtl="0" eaLnBrk="1" latinLnBrk="0" hangingPunct="1">
-              <a:lnSpc>
-                <a:spcPct val="90000"/>
-              </a:lnSpc>
-              <a:spcBef>
-                <a:spcPts val="500"/>
-              </a:spcBef>
-              <a:buFont typeface="Arial" panose="020B0604020202020204" pitchFamily="34" charset="0"/>
-              <a:buChar char="•"/>
-              <a:defRPr sz="1800" kern="1200">
-                <a:solidFill>
-                  <a:schemeClr val="tx1"/>
-                </a:solidFill>
-                <a:latin typeface="+mn-lt"/>
-                <a:ea typeface="+mn-ea"/>
-                <a:cs typeface="+mn-cs"/>
-              </a:defRPr>
-            </a:lvl5pPr>
-            <a:lvl6pPr marL="2514600" indent="-228600" algn="l" defTabSz="914400" rtl="0" eaLnBrk="1" latinLnBrk="0" hangingPunct="1">
-              <a:lnSpc>
-                <a:spcPct val="90000"/>
-              </a:lnSpc>
-              <a:spcBef>
-                <a:spcPts val="500"/>
-              </a:spcBef>
-              <a:buFont typeface="Arial" panose="020B0604020202020204" pitchFamily="34" charset="0"/>
-              <a:buChar char="•"/>
-              <a:defRPr sz="1800" kern="1200">
-                <a:solidFill>
-                  <a:schemeClr val="tx1"/>
-                </a:solidFill>
-                <a:latin typeface="+mn-lt"/>
-                <a:ea typeface="+mn-ea"/>
-                <a:cs typeface="+mn-cs"/>
-              </a:defRPr>
-            </a:lvl6pPr>
-            <a:lvl7pPr marL="2971800" indent="-228600" algn="l" defTabSz="914400" rtl="0" eaLnBrk="1" latinLnBrk="0" hangingPunct="1">
-              <a:lnSpc>
-                <a:spcPct val="90000"/>
-              </a:lnSpc>
-              <a:spcBef>
-                <a:spcPts val="500"/>
-              </a:spcBef>
-              <a:buFont typeface="Arial" panose="020B0604020202020204" pitchFamily="34" charset="0"/>
-              <a:buChar char="•"/>
-              <a:defRPr sz="1800" kern="1200">
-                <a:solidFill>
-                  <a:schemeClr val="tx1"/>
-                </a:solidFill>
-                <a:latin typeface="+mn-lt"/>
-                <a:ea typeface="+mn-ea"/>
-                <a:cs typeface="+mn-cs"/>
-              </a:defRPr>
-            </a:lvl7pPr>
-            <a:lvl8pPr marL="3429000" indent="-228600" algn="l" defTabSz="914400" rtl="0" eaLnBrk="1" latinLnBrk="0" hangingPunct="1">
-              <a:lnSpc>
-                <a:spcPct val="90000"/>
-              </a:lnSpc>
-              <a:spcBef>
-                <a:spcPts val="500"/>
-              </a:spcBef>
-              <a:buFont typeface="Arial" panose="020B0604020202020204" pitchFamily="34" charset="0"/>
-              <a:buChar char="•"/>
-              <a:defRPr sz="1800" kern="1200">
-                <a:solidFill>
-                  <a:schemeClr val="tx1"/>
-                </a:solidFill>
-                <a:latin typeface="+mn-lt"/>
-                <a:ea typeface="+mn-ea"/>
-                <a:cs typeface="+mn-cs"/>
-              </a:defRPr>
-            </a:lvl8pPr>
-            <a:lvl9pPr marL="3886200" indent="-228600" algn="l" defTabSz="914400" rtl="0" eaLnBrk="1" latinLnBrk="0" hangingPunct="1">
-              <a:lnSpc>
-                <a:spcPct val="90000"/>
-              </a:lnSpc>
-              <a:spcBef>
-                <a:spcPts val="500"/>
-              </a:spcBef>
-              <a:buFont typeface="Arial" panose="020B0604020202020204" pitchFamily="34" charset="0"/>
-              <a:buChar char="•"/>
-              <a:defRPr sz="1800" kern="1200">
-                <a:solidFill>
-                  <a:schemeClr val="tx1"/>
-                </a:solidFill>
-                <a:latin typeface="+mn-lt"/>
-                <a:ea typeface="+mn-ea"/>
-                <a:cs typeface="+mn-cs"/>
-              </a:defRPr>
-            </a:lvl9pPr>
-          </a:lstStyle>
-          <a:p>
-            <a:pPr marL="0" indent="0" algn="r">
-              <a:buFont typeface="Arial" panose="020B0604020202020204" pitchFamily="34" charset="0"/>
-              <a:buNone/>
-            </a:pPr>
-            <a:endParaRPr lang="es-ES" sz="2400" b="1" dirty="0">
-              <a:latin typeface="+mj-lt"/>
-              <a:ea typeface="+mj-ea"/>
-              <a:cs typeface="+mj-cs"/>
-            </a:endParaRPr>
-          </a:p>
-          <a:p>
-            <a:pPr marL="0" indent="0" algn="r">
-              <a:buFont typeface="Arial" panose="020B0604020202020204" pitchFamily="34" charset="0"/>
-              <a:buNone/>
-            </a:pPr>
-            <a:r>
-              <a:rPr lang="es-ES" sz="2400" b="1" dirty="0">
-                <a:latin typeface="+mj-lt"/>
-                <a:ea typeface="+mj-ea"/>
-                <a:cs typeface="+mj-cs"/>
-              </a:rPr>
-              <a:t>Sergio Andrés Burgos Zuleta,</a:t>
-            </a:r>
-          </a:p>
-          <a:p>
-            <a:pPr marL="0" indent="0" algn="r">
-              <a:buFont typeface="Arial" panose="020B0604020202020204" pitchFamily="34" charset="0"/>
-              <a:buNone/>
-            </a:pPr>
-            <a:r>
-              <a:rPr lang="es-ES" sz="2400" b="1" dirty="0" err="1">
-                <a:latin typeface="+mj-lt"/>
-                <a:ea typeface="+mj-ea"/>
-                <a:cs typeface="+mj-cs"/>
-              </a:rPr>
-              <a:t>Amra</a:t>
-            </a:r>
-            <a:r>
-              <a:rPr lang="es-ES" sz="2400" b="1" dirty="0">
-                <a:latin typeface="+mj-lt"/>
-                <a:ea typeface="+mj-ea"/>
-                <a:cs typeface="+mj-cs"/>
-              </a:rPr>
-              <a:t> </a:t>
-            </a:r>
-            <a:r>
-              <a:rPr lang="es-ES" sz="2400" b="1" dirty="0" err="1">
-                <a:latin typeface="+mj-lt"/>
-                <a:ea typeface="+mj-ea"/>
-                <a:cs typeface="+mj-cs"/>
-              </a:rPr>
-              <a:t>Fetic</a:t>
-            </a:r>
-            <a:r>
-              <a:rPr lang="es-ES" sz="2400" b="1" dirty="0">
-                <a:latin typeface="+mj-lt"/>
-                <a:ea typeface="+mj-ea"/>
-                <a:cs typeface="+mj-cs"/>
-              </a:rPr>
-              <a:t>,</a:t>
-            </a:r>
-          </a:p>
-          <a:p>
-            <a:pPr marL="0" indent="0" algn="r">
-              <a:buFont typeface="Arial" panose="020B0604020202020204" pitchFamily="34" charset="0"/>
-              <a:buNone/>
-            </a:pPr>
-            <a:r>
-              <a:rPr lang="es-ES" sz="2400" b="1" dirty="0">
-                <a:latin typeface="+mj-lt"/>
-                <a:ea typeface="+mj-ea"/>
-                <a:cs typeface="+mj-cs"/>
-              </a:rPr>
-              <a:t>Marina Llompart</a:t>
-            </a:r>
             <a:endParaRPr lang="es-ES" sz="4800" b="1" dirty="0">
               <a:latin typeface="+mj-lt"/>
               <a:ea typeface="+mj-ea"/>
